--- a/IMSpulseSequence.pptx
+++ b/IMSpulseSequence.pptx
@@ -7,6 +7,7 @@
   <p:sldIdLst>
     <p:sldId id="256" r:id="rId2"/>
     <p:sldId id="257" r:id="rId3"/>
+    <p:sldId id="258" r:id="rId4"/>
   </p:sldIdLst>
   <p:sldSz cx="9144000" cy="6858000" type="screen4x3"/>
   <p:notesSz cx="6858000" cy="9144000"/>
@@ -289,7 +290,7 @@
           <a:p>
             <a:fld id="{B07095B8-E384-8A47-B194-A69AE15F9E41}" type="datetimeFigureOut">
               <a:rPr lang="en-US" smtClean="0"/>
-              <a:t>4/26/18</a:t>
+              <a:t>5/10/20</a:t>
             </a:fld>
             <a:endParaRPr lang="en-US"/>
           </a:p>
@@ -459,7 +460,7 @@
           <a:p>
             <a:fld id="{B07095B8-E384-8A47-B194-A69AE15F9E41}" type="datetimeFigureOut">
               <a:rPr lang="en-US" smtClean="0"/>
-              <a:t>4/26/18</a:t>
+              <a:t>5/10/20</a:t>
             </a:fld>
             <a:endParaRPr lang="en-US"/>
           </a:p>
@@ -639,7 +640,7 @@
           <a:p>
             <a:fld id="{B07095B8-E384-8A47-B194-A69AE15F9E41}" type="datetimeFigureOut">
               <a:rPr lang="en-US" smtClean="0"/>
-              <a:t>4/26/18</a:t>
+              <a:t>5/10/20</a:t>
             </a:fld>
             <a:endParaRPr lang="en-US"/>
           </a:p>
@@ -809,7 +810,7 @@
           <a:p>
             <a:fld id="{B07095B8-E384-8A47-B194-A69AE15F9E41}" type="datetimeFigureOut">
               <a:rPr lang="en-US" smtClean="0"/>
-              <a:t>4/26/18</a:t>
+              <a:t>5/10/20</a:t>
             </a:fld>
             <a:endParaRPr lang="en-US"/>
           </a:p>
@@ -1055,7 +1056,7 @@
           <a:p>
             <a:fld id="{B07095B8-E384-8A47-B194-A69AE15F9E41}" type="datetimeFigureOut">
               <a:rPr lang="en-US" smtClean="0"/>
-              <a:t>4/26/18</a:t>
+              <a:t>5/10/20</a:t>
             </a:fld>
             <a:endParaRPr lang="en-US"/>
           </a:p>
@@ -1343,7 +1344,7 @@
           <a:p>
             <a:fld id="{B07095B8-E384-8A47-B194-A69AE15F9E41}" type="datetimeFigureOut">
               <a:rPr lang="en-US" smtClean="0"/>
-              <a:t>4/26/18</a:t>
+              <a:t>5/10/20</a:t>
             </a:fld>
             <a:endParaRPr lang="en-US"/>
           </a:p>
@@ -1765,7 +1766,7 @@
           <a:p>
             <a:fld id="{B07095B8-E384-8A47-B194-A69AE15F9E41}" type="datetimeFigureOut">
               <a:rPr lang="en-US" smtClean="0"/>
-              <a:t>4/26/18</a:t>
+              <a:t>5/10/20</a:t>
             </a:fld>
             <a:endParaRPr lang="en-US"/>
           </a:p>
@@ -1883,7 +1884,7 @@
           <a:p>
             <a:fld id="{B07095B8-E384-8A47-B194-A69AE15F9E41}" type="datetimeFigureOut">
               <a:rPr lang="en-US" smtClean="0"/>
-              <a:t>4/26/18</a:t>
+              <a:t>5/10/20</a:t>
             </a:fld>
             <a:endParaRPr lang="en-US"/>
           </a:p>
@@ -1978,7 +1979,7 @@
           <a:p>
             <a:fld id="{B07095B8-E384-8A47-B194-A69AE15F9E41}" type="datetimeFigureOut">
               <a:rPr lang="en-US" smtClean="0"/>
-              <a:t>4/26/18</a:t>
+              <a:t>5/10/20</a:t>
             </a:fld>
             <a:endParaRPr lang="en-US"/>
           </a:p>
@@ -2255,7 +2256,7 @@
           <a:p>
             <a:fld id="{B07095B8-E384-8A47-B194-A69AE15F9E41}" type="datetimeFigureOut">
               <a:rPr lang="en-US" smtClean="0"/>
-              <a:t>4/26/18</a:t>
+              <a:t>5/10/20</a:t>
             </a:fld>
             <a:endParaRPr lang="en-US"/>
           </a:p>
@@ -2508,7 +2509,7 @@
           <a:p>
             <a:fld id="{B07095B8-E384-8A47-B194-A69AE15F9E41}" type="datetimeFigureOut">
               <a:rPr lang="en-US" smtClean="0"/>
-              <a:t>4/26/18</a:t>
+              <a:t>5/10/20</a:t>
             </a:fld>
             <a:endParaRPr lang="en-US"/>
           </a:p>
@@ -2721,7 +2722,7 @@
           <a:p>
             <a:fld id="{B07095B8-E384-8A47-B194-A69AE15F9E41}" type="datetimeFigureOut">
               <a:rPr lang="en-US" smtClean="0"/>
-              <a:t>4/26/18</a:t>
+              <a:t>5/10/20</a:t>
             </a:fld>
             <a:endParaRPr lang="en-US"/>
           </a:p>
@@ -5331,11 +5332,7 @@
           <a:p>
             <a:r>
               <a:rPr lang="en-US" sz="1200" dirty="0" smtClean="0"/>
-              <a:t>Repeats m </a:t>
-            </a:r>
-            <a:r>
-              <a:rPr lang="en-US" sz="1200" dirty="0" smtClean="0"/>
-              <a:t>times</a:t>
+              <a:t>Repeats m times</a:t>
             </a:r>
             <a:endParaRPr lang="en-US" sz="1200" dirty="0"/>
           </a:p>
@@ -6609,11 +6606,7 @@
           <a:p>
             <a:r>
               <a:rPr lang="en-US" sz="1200" dirty="0" smtClean="0"/>
-              <a:t>Repeats m </a:t>
-            </a:r>
-            <a:r>
-              <a:rPr lang="en-US" sz="1200" dirty="0" smtClean="0"/>
-              <a:t>times</a:t>
+              <a:t>Repeats m times</a:t>
             </a:r>
             <a:endParaRPr lang="en-US" sz="1200" dirty="0"/>
           </a:p>
@@ -8220,11 +8213,7 @@
           <a:p>
             <a:r>
               <a:rPr lang="en-US" sz="1200" dirty="0" smtClean="0"/>
-              <a:t>Repeats m </a:t>
-            </a:r>
-            <a:r>
-              <a:rPr lang="en-US" sz="1200" dirty="0" smtClean="0"/>
-              <a:t>times</a:t>
+              <a:t>Repeats m times</a:t>
             </a:r>
             <a:endParaRPr lang="en-US" sz="1200" dirty="0"/>
           </a:p>
@@ -8882,6 +8871,2161 @@
     <p:extLst>
       <p:ext uri="{BB962C8B-B14F-4D97-AF65-F5344CB8AC3E}">
         <p14:creationId xmlns:p14="http://schemas.microsoft.com/office/powerpoint/2010/main" val="103918078"/>
+      </p:ext>
+    </p:extLst>
+  </p:cSld>
+  <p:clrMapOvr>
+    <a:masterClrMapping/>
+  </p:clrMapOvr>
+</p:sld>
+</file>
+
+<file path=ppt/slides/slide3.xml><?xml version="1.0" encoding="utf-8"?>
+<p:sld xmlns:a="http://schemas.openxmlformats.org/drawingml/2006/main" xmlns:r="http://schemas.openxmlformats.org/officeDocument/2006/relationships" xmlns:p="http://schemas.openxmlformats.org/presentationml/2006/main">
+  <p:cSld>
+    <p:spTree>
+      <p:nvGrpSpPr>
+        <p:cNvPr id="1" name=""/>
+        <p:cNvGrpSpPr/>
+        <p:nvPr/>
+      </p:nvGrpSpPr>
+      <p:grpSpPr>
+        <a:xfrm>
+          <a:off x="0" y="0"/>
+          <a:ext cx="0" cy="0"/>
+          <a:chOff x="0" y="0"/>
+          <a:chExt cx="0" cy="0"/>
+        </a:xfrm>
+      </p:grpSpPr>
+      <p:grpSp>
+        <p:nvGrpSpPr>
+          <p:cNvPr id="3" name="Group 2"/>
+          <p:cNvGrpSpPr/>
+          <p:nvPr/>
+        </p:nvGrpSpPr>
+        <p:grpSpPr>
+          <a:xfrm>
+            <a:off x="428848" y="379758"/>
+            <a:ext cx="3243254" cy="2357358"/>
+            <a:chOff x="428848" y="379758"/>
+            <a:chExt cx="3243254" cy="2357358"/>
+          </a:xfrm>
+        </p:grpSpPr>
+        <p:cxnSp>
+          <p:nvCxnSpPr>
+            <p:cNvPr id="4" name="Straight Connector 3"/>
+            <p:cNvCxnSpPr/>
+            <p:nvPr/>
+          </p:nvCxnSpPr>
+          <p:spPr>
+            <a:xfrm>
+              <a:off x="823600" y="1231587"/>
+              <a:ext cx="317034" cy="0"/>
+            </a:xfrm>
+            <a:prstGeom prst="line">
+              <a:avLst/>
+            </a:prstGeom>
+            <a:ln w="9525" cmpd="sng">
+              <a:solidFill>
+                <a:schemeClr val="tx1"/>
+              </a:solidFill>
+            </a:ln>
+            <a:effectLst/>
+          </p:spPr>
+          <p:style>
+            <a:lnRef idx="2">
+              <a:schemeClr val="accent1"/>
+            </a:lnRef>
+            <a:fillRef idx="0">
+              <a:schemeClr val="accent1"/>
+            </a:fillRef>
+            <a:effectRef idx="1">
+              <a:schemeClr val="accent1"/>
+            </a:effectRef>
+            <a:fontRef idx="minor">
+              <a:schemeClr val="tx1"/>
+            </a:fontRef>
+          </p:style>
+        </p:cxnSp>
+        <p:grpSp>
+          <p:nvGrpSpPr>
+            <p:cNvPr id="5" name="Group 4"/>
+            <p:cNvGrpSpPr/>
+            <p:nvPr/>
+          </p:nvGrpSpPr>
+          <p:grpSpPr>
+            <a:xfrm>
+              <a:off x="1140634" y="983937"/>
+              <a:ext cx="160867" cy="247650"/>
+              <a:chOff x="1028700" y="1254125"/>
+              <a:chExt cx="160867" cy="247650"/>
+            </a:xfrm>
+          </p:grpSpPr>
+          <p:cxnSp>
+            <p:nvCxnSpPr>
+              <p:cNvPr id="6" name="Straight Connector 5"/>
+              <p:cNvCxnSpPr/>
+              <p:nvPr/>
+            </p:nvCxnSpPr>
+            <p:spPr>
+              <a:xfrm>
+                <a:off x="1028700" y="1254125"/>
+                <a:ext cx="0" cy="247650"/>
+              </a:xfrm>
+              <a:prstGeom prst="line">
+                <a:avLst/>
+              </a:prstGeom>
+              <a:ln w="9525" cmpd="sng">
+                <a:solidFill>
+                  <a:schemeClr val="tx1"/>
+                </a:solidFill>
+              </a:ln>
+              <a:effectLst/>
+            </p:spPr>
+            <p:style>
+              <a:lnRef idx="2">
+                <a:schemeClr val="accent1"/>
+              </a:lnRef>
+              <a:fillRef idx="0">
+                <a:schemeClr val="accent1"/>
+              </a:fillRef>
+              <a:effectRef idx="1">
+                <a:schemeClr val="accent1"/>
+              </a:effectRef>
+              <a:fontRef idx="minor">
+                <a:schemeClr val="tx1"/>
+              </a:fontRef>
+            </p:style>
+          </p:cxnSp>
+          <p:cxnSp>
+            <p:nvCxnSpPr>
+              <p:cNvPr id="7" name="Straight Connector 6"/>
+              <p:cNvCxnSpPr/>
+              <p:nvPr/>
+            </p:nvCxnSpPr>
+            <p:spPr>
+              <a:xfrm>
+                <a:off x="1189567" y="1254125"/>
+                <a:ext cx="0" cy="247650"/>
+              </a:xfrm>
+              <a:prstGeom prst="line">
+                <a:avLst/>
+              </a:prstGeom>
+              <a:ln w="9525" cmpd="sng">
+                <a:solidFill>
+                  <a:schemeClr val="tx1"/>
+                </a:solidFill>
+              </a:ln>
+              <a:effectLst/>
+            </p:spPr>
+            <p:style>
+              <a:lnRef idx="2">
+                <a:schemeClr val="accent1"/>
+              </a:lnRef>
+              <a:fillRef idx="0">
+                <a:schemeClr val="accent1"/>
+              </a:fillRef>
+              <a:effectRef idx="1">
+                <a:schemeClr val="accent1"/>
+              </a:effectRef>
+              <a:fontRef idx="minor">
+                <a:schemeClr val="tx1"/>
+              </a:fontRef>
+            </p:style>
+          </p:cxnSp>
+          <p:cxnSp>
+            <p:nvCxnSpPr>
+              <p:cNvPr id="8" name="Straight Connector 7"/>
+              <p:cNvCxnSpPr/>
+              <p:nvPr/>
+            </p:nvCxnSpPr>
+            <p:spPr>
+              <a:xfrm>
+                <a:off x="1028700" y="1254125"/>
+                <a:ext cx="160867" cy="0"/>
+              </a:xfrm>
+              <a:prstGeom prst="line">
+                <a:avLst/>
+              </a:prstGeom>
+              <a:ln w="9525" cmpd="sng">
+                <a:solidFill>
+                  <a:schemeClr val="tx1"/>
+                </a:solidFill>
+              </a:ln>
+              <a:effectLst/>
+            </p:spPr>
+            <p:style>
+              <a:lnRef idx="2">
+                <a:schemeClr val="accent1"/>
+              </a:lnRef>
+              <a:fillRef idx="0">
+                <a:schemeClr val="accent1"/>
+              </a:fillRef>
+              <a:effectRef idx="1">
+                <a:schemeClr val="accent1"/>
+              </a:effectRef>
+              <a:fontRef idx="minor">
+                <a:schemeClr val="tx1"/>
+              </a:fontRef>
+            </p:style>
+          </p:cxnSp>
+        </p:grpSp>
+        <p:cxnSp>
+          <p:nvCxnSpPr>
+            <p:cNvPr id="9" name="Straight Connector 8"/>
+            <p:cNvCxnSpPr/>
+            <p:nvPr/>
+          </p:nvCxnSpPr>
+          <p:spPr>
+            <a:xfrm>
+              <a:off x="1301501" y="1231587"/>
+              <a:ext cx="2317500" cy="0"/>
+            </a:xfrm>
+            <a:prstGeom prst="line">
+              <a:avLst/>
+            </a:prstGeom>
+            <a:ln w="9525" cmpd="sng">
+              <a:solidFill>
+                <a:schemeClr val="tx1"/>
+              </a:solidFill>
+            </a:ln>
+            <a:effectLst/>
+          </p:spPr>
+          <p:style>
+            <a:lnRef idx="2">
+              <a:schemeClr val="accent1"/>
+            </a:lnRef>
+            <a:fillRef idx="0">
+              <a:schemeClr val="accent1"/>
+            </a:fillRef>
+            <a:effectRef idx="1">
+              <a:schemeClr val="accent1"/>
+            </a:effectRef>
+            <a:fontRef idx="minor">
+              <a:schemeClr val="tx1"/>
+            </a:fontRef>
+          </p:style>
+        </p:cxnSp>
+        <p:grpSp>
+          <p:nvGrpSpPr>
+            <p:cNvPr id="10" name="Group 9"/>
+            <p:cNvGrpSpPr/>
+            <p:nvPr/>
+          </p:nvGrpSpPr>
+          <p:grpSpPr>
+            <a:xfrm>
+              <a:off x="2853163" y="1638561"/>
+              <a:ext cx="160867" cy="247650"/>
+              <a:chOff x="1028700" y="1254125"/>
+              <a:chExt cx="160867" cy="247650"/>
+            </a:xfrm>
+          </p:grpSpPr>
+          <p:cxnSp>
+            <p:nvCxnSpPr>
+              <p:cNvPr id="11" name="Straight Connector 10"/>
+              <p:cNvCxnSpPr/>
+              <p:nvPr/>
+            </p:nvCxnSpPr>
+            <p:spPr>
+              <a:xfrm>
+                <a:off x="1028700" y="1254125"/>
+                <a:ext cx="0" cy="247650"/>
+              </a:xfrm>
+              <a:prstGeom prst="line">
+                <a:avLst/>
+              </a:prstGeom>
+              <a:ln w="9525" cmpd="sng">
+                <a:solidFill>
+                  <a:schemeClr val="tx1"/>
+                </a:solidFill>
+              </a:ln>
+              <a:effectLst/>
+            </p:spPr>
+            <p:style>
+              <a:lnRef idx="2">
+                <a:schemeClr val="accent1"/>
+              </a:lnRef>
+              <a:fillRef idx="0">
+                <a:schemeClr val="accent1"/>
+              </a:fillRef>
+              <a:effectRef idx="1">
+                <a:schemeClr val="accent1"/>
+              </a:effectRef>
+              <a:fontRef idx="minor">
+                <a:schemeClr val="tx1"/>
+              </a:fontRef>
+            </p:style>
+          </p:cxnSp>
+          <p:cxnSp>
+            <p:nvCxnSpPr>
+              <p:cNvPr id="12" name="Straight Connector 11"/>
+              <p:cNvCxnSpPr/>
+              <p:nvPr/>
+            </p:nvCxnSpPr>
+            <p:spPr>
+              <a:xfrm>
+                <a:off x="1189567" y="1254125"/>
+                <a:ext cx="0" cy="247650"/>
+              </a:xfrm>
+              <a:prstGeom prst="line">
+                <a:avLst/>
+              </a:prstGeom>
+              <a:ln w="9525" cmpd="sng">
+                <a:solidFill>
+                  <a:schemeClr val="tx1"/>
+                </a:solidFill>
+              </a:ln>
+              <a:effectLst/>
+            </p:spPr>
+            <p:style>
+              <a:lnRef idx="2">
+                <a:schemeClr val="accent1"/>
+              </a:lnRef>
+              <a:fillRef idx="0">
+                <a:schemeClr val="accent1"/>
+              </a:fillRef>
+              <a:effectRef idx="1">
+                <a:schemeClr val="accent1"/>
+              </a:effectRef>
+              <a:fontRef idx="minor">
+                <a:schemeClr val="tx1"/>
+              </a:fontRef>
+            </p:style>
+          </p:cxnSp>
+          <p:cxnSp>
+            <p:nvCxnSpPr>
+              <p:cNvPr id="13" name="Straight Connector 12"/>
+              <p:cNvCxnSpPr/>
+              <p:nvPr/>
+            </p:nvCxnSpPr>
+            <p:spPr>
+              <a:xfrm>
+                <a:off x="1028700" y="1254125"/>
+                <a:ext cx="160867" cy="0"/>
+              </a:xfrm>
+              <a:prstGeom prst="line">
+                <a:avLst/>
+              </a:prstGeom>
+              <a:ln w="9525" cmpd="sng">
+                <a:solidFill>
+                  <a:schemeClr val="tx1"/>
+                </a:solidFill>
+              </a:ln>
+              <a:effectLst/>
+            </p:spPr>
+            <p:style>
+              <a:lnRef idx="2">
+                <a:schemeClr val="accent1"/>
+              </a:lnRef>
+              <a:fillRef idx="0">
+                <a:schemeClr val="accent1"/>
+              </a:fillRef>
+              <a:effectRef idx="1">
+                <a:schemeClr val="accent1"/>
+              </a:effectRef>
+              <a:fontRef idx="minor">
+                <a:schemeClr val="tx1"/>
+              </a:fontRef>
+            </p:style>
+          </p:cxnSp>
+        </p:grpSp>
+        <p:cxnSp>
+          <p:nvCxnSpPr>
+            <p:cNvPr id="14" name="Straight Connector 13"/>
+            <p:cNvCxnSpPr/>
+            <p:nvPr/>
+          </p:nvCxnSpPr>
+          <p:spPr>
+            <a:xfrm flipV="1">
+              <a:off x="823600" y="1886211"/>
+              <a:ext cx="2029563" cy="16914"/>
+            </a:xfrm>
+            <a:prstGeom prst="line">
+              <a:avLst/>
+            </a:prstGeom>
+            <a:ln w="9525" cmpd="sng">
+              <a:solidFill>
+                <a:schemeClr val="tx1"/>
+              </a:solidFill>
+            </a:ln>
+            <a:effectLst/>
+          </p:spPr>
+          <p:style>
+            <a:lnRef idx="2">
+              <a:schemeClr val="accent1"/>
+            </a:lnRef>
+            <a:fillRef idx="0">
+              <a:schemeClr val="accent1"/>
+            </a:fillRef>
+            <a:effectRef idx="1">
+              <a:schemeClr val="accent1"/>
+            </a:effectRef>
+            <a:fontRef idx="minor">
+              <a:schemeClr val="tx1"/>
+            </a:fontRef>
+          </p:style>
+        </p:cxnSp>
+        <p:cxnSp>
+          <p:nvCxnSpPr>
+            <p:cNvPr id="15" name="Straight Connector 14"/>
+            <p:cNvCxnSpPr/>
+            <p:nvPr/>
+          </p:nvCxnSpPr>
+          <p:spPr>
+            <a:xfrm>
+              <a:off x="3014030" y="1886211"/>
+              <a:ext cx="604971" cy="0"/>
+            </a:xfrm>
+            <a:prstGeom prst="line">
+              <a:avLst/>
+            </a:prstGeom>
+            <a:ln w="9525" cmpd="sng">
+              <a:solidFill>
+                <a:schemeClr val="tx1"/>
+              </a:solidFill>
+            </a:ln>
+            <a:effectLst/>
+          </p:spPr>
+          <p:style>
+            <a:lnRef idx="2">
+              <a:schemeClr val="accent1"/>
+            </a:lnRef>
+            <a:fillRef idx="0">
+              <a:schemeClr val="accent1"/>
+            </a:fillRef>
+            <a:effectRef idx="1">
+              <a:schemeClr val="accent1"/>
+            </a:effectRef>
+            <a:fontRef idx="minor">
+              <a:schemeClr val="tx1"/>
+            </a:fontRef>
+          </p:style>
+        </p:cxnSp>
+        <p:cxnSp>
+          <p:nvCxnSpPr>
+            <p:cNvPr id="16" name="Straight Connector 15"/>
+            <p:cNvCxnSpPr/>
+            <p:nvPr/>
+          </p:nvCxnSpPr>
+          <p:spPr>
+            <a:xfrm flipH="1">
+              <a:off x="1132167" y="891686"/>
+              <a:ext cx="8467" cy="1153014"/>
+            </a:xfrm>
+            <a:prstGeom prst="line">
+              <a:avLst/>
+            </a:prstGeom>
+            <a:ln w="9525" cmpd="sng">
+              <a:solidFill>
+                <a:schemeClr val="tx1"/>
+              </a:solidFill>
+              <a:prstDash val="dot"/>
+            </a:ln>
+            <a:effectLst/>
+          </p:spPr>
+          <p:style>
+            <a:lnRef idx="2">
+              <a:schemeClr val="accent1"/>
+            </a:lnRef>
+            <a:fillRef idx="0">
+              <a:schemeClr val="accent1"/>
+            </a:fillRef>
+            <a:effectRef idx="1">
+              <a:schemeClr val="accent1"/>
+            </a:effectRef>
+            <a:fontRef idx="minor">
+              <a:schemeClr val="tx1"/>
+            </a:fontRef>
+          </p:style>
+        </p:cxnSp>
+        <p:cxnSp>
+          <p:nvCxnSpPr>
+            <p:cNvPr id="17" name="Straight Connector 16"/>
+            <p:cNvCxnSpPr/>
+            <p:nvPr/>
+          </p:nvCxnSpPr>
+          <p:spPr>
+            <a:xfrm>
+              <a:off x="3497844" y="891686"/>
+              <a:ext cx="0" cy="1153014"/>
+            </a:xfrm>
+            <a:prstGeom prst="line">
+              <a:avLst/>
+            </a:prstGeom>
+            <a:ln w="9525" cmpd="sng">
+              <a:solidFill>
+                <a:schemeClr val="tx1"/>
+              </a:solidFill>
+              <a:prstDash val="dot"/>
+            </a:ln>
+            <a:effectLst/>
+          </p:spPr>
+          <p:style>
+            <a:lnRef idx="2">
+              <a:schemeClr val="accent1"/>
+            </a:lnRef>
+            <a:fillRef idx="0">
+              <a:schemeClr val="accent1"/>
+            </a:fillRef>
+            <a:effectRef idx="1">
+              <a:schemeClr val="accent1"/>
+            </a:effectRef>
+            <a:fontRef idx="minor">
+              <a:schemeClr val="tx1"/>
+            </a:fontRef>
+          </p:style>
+        </p:cxnSp>
+        <p:cxnSp>
+          <p:nvCxnSpPr>
+            <p:cNvPr id="18" name="Straight Connector 17"/>
+            <p:cNvCxnSpPr/>
+            <p:nvPr/>
+          </p:nvCxnSpPr>
+          <p:spPr>
+            <a:xfrm>
+              <a:off x="1140634" y="918888"/>
+              <a:ext cx="2357210" cy="0"/>
+            </a:xfrm>
+            <a:prstGeom prst="line">
+              <a:avLst/>
+            </a:prstGeom>
+            <a:ln w="9525" cmpd="sng">
+              <a:solidFill>
+                <a:srgbClr val="000000"/>
+              </a:solidFill>
+              <a:prstDash val="sysDash"/>
+              <a:headEnd type="stealth"/>
+              <a:tailEnd type="none"/>
+            </a:ln>
+            <a:effectLst/>
+          </p:spPr>
+          <p:style>
+            <a:lnRef idx="2">
+              <a:schemeClr val="accent1"/>
+            </a:lnRef>
+            <a:fillRef idx="0">
+              <a:schemeClr val="accent1"/>
+            </a:fillRef>
+            <a:effectRef idx="1">
+              <a:schemeClr val="accent1"/>
+            </a:effectRef>
+            <a:fontRef idx="minor">
+              <a:schemeClr val="tx1"/>
+            </a:fontRef>
+          </p:style>
+        </p:cxnSp>
+        <p:cxnSp>
+          <p:nvCxnSpPr>
+            <p:cNvPr id="19" name="Straight Connector 18"/>
+            <p:cNvCxnSpPr/>
+            <p:nvPr/>
+          </p:nvCxnSpPr>
+          <p:spPr>
+            <a:xfrm>
+              <a:off x="1301501" y="1114089"/>
+              <a:ext cx="241322" cy="0"/>
+            </a:xfrm>
+            <a:prstGeom prst="line">
+              <a:avLst/>
+            </a:prstGeom>
+            <a:ln w="9525" cmpd="sng">
+              <a:solidFill>
+                <a:srgbClr val="000000"/>
+              </a:solidFill>
+              <a:prstDash val="sysDash"/>
+              <a:headEnd type="stealth"/>
+              <a:tailEnd type="none"/>
+            </a:ln>
+            <a:effectLst/>
+          </p:spPr>
+          <p:style>
+            <a:lnRef idx="2">
+              <a:schemeClr val="accent1"/>
+            </a:lnRef>
+            <a:fillRef idx="0">
+              <a:schemeClr val="accent1"/>
+            </a:fillRef>
+            <a:effectRef idx="1">
+              <a:schemeClr val="accent1"/>
+            </a:effectRef>
+            <a:fontRef idx="minor">
+              <a:schemeClr val="tx1"/>
+            </a:fontRef>
+          </p:style>
+        </p:cxnSp>
+        <p:cxnSp>
+          <p:nvCxnSpPr>
+            <p:cNvPr id="20" name="Straight Connector 19"/>
+            <p:cNvCxnSpPr/>
+            <p:nvPr/>
+          </p:nvCxnSpPr>
+          <p:spPr>
+            <a:xfrm flipH="1">
+              <a:off x="920109" y="1114089"/>
+              <a:ext cx="220525" cy="0"/>
+            </a:xfrm>
+            <a:prstGeom prst="line">
+              <a:avLst/>
+            </a:prstGeom>
+            <a:ln w="9525" cmpd="sng">
+              <a:solidFill>
+                <a:srgbClr val="000000"/>
+              </a:solidFill>
+              <a:prstDash val="sysDash"/>
+              <a:headEnd type="stealth"/>
+              <a:tailEnd type="none"/>
+            </a:ln>
+            <a:effectLst/>
+          </p:spPr>
+          <p:style>
+            <a:lnRef idx="2">
+              <a:schemeClr val="accent1"/>
+            </a:lnRef>
+            <a:fillRef idx="0">
+              <a:schemeClr val="accent1"/>
+            </a:fillRef>
+            <a:effectRef idx="1">
+              <a:schemeClr val="accent1"/>
+            </a:effectRef>
+            <a:fontRef idx="minor">
+              <a:schemeClr val="tx1"/>
+            </a:fontRef>
+          </p:style>
+        </p:cxnSp>
+        <p:cxnSp>
+          <p:nvCxnSpPr>
+            <p:cNvPr id="21" name="Straight Connector 20"/>
+            <p:cNvCxnSpPr/>
+            <p:nvPr/>
+          </p:nvCxnSpPr>
+          <p:spPr>
+            <a:xfrm>
+              <a:off x="3014030" y="1742925"/>
+              <a:ext cx="241322" cy="0"/>
+            </a:xfrm>
+            <a:prstGeom prst="line">
+              <a:avLst/>
+            </a:prstGeom>
+            <a:ln w="9525" cmpd="sng">
+              <a:solidFill>
+                <a:srgbClr val="000000"/>
+              </a:solidFill>
+              <a:prstDash val="sysDash"/>
+              <a:headEnd type="stealth"/>
+              <a:tailEnd type="none"/>
+            </a:ln>
+            <a:effectLst/>
+          </p:spPr>
+          <p:style>
+            <a:lnRef idx="2">
+              <a:schemeClr val="accent1"/>
+            </a:lnRef>
+            <a:fillRef idx="0">
+              <a:schemeClr val="accent1"/>
+            </a:fillRef>
+            <a:effectRef idx="1">
+              <a:schemeClr val="accent1"/>
+            </a:effectRef>
+            <a:fontRef idx="minor">
+              <a:schemeClr val="tx1"/>
+            </a:fontRef>
+          </p:style>
+        </p:cxnSp>
+        <p:cxnSp>
+          <p:nvCxnSpPr>
+            <p:cNvPr id="22" name="Straight Connector 21"/>
+            <p:cNvCxnSpPr/>
+            <p:nvPr/>
+          </p:nvCxnSpPr>
+          <p:spPr>
+            <a:xfrm flipH="1">
+              <a:off x="2632638" y="1745216"/>
+              <a:ext cx="220525" cy="0"/>
+            </a:xfrm>
+            <a:prstGeom prst="line">
+              <a:avLst/>
+            </a:prstGeom>
+            <a:ln w="9525" cmpd="sng">
+              <a:solidFill>
+                <a:srgbClr val="000000"/>
+              </a:solidFill>
+              <a:prstDash val="sysDash"/>
+              <a:headEnd type="stealth"/>
+              <a:tailEnd type="none"/>
+            </a:ln>
+            <a:effectLst/>
+          </p:spPr>
+          <p:style>
+            <a:lnRef idx="2">
+              <a:schemeClr val="accent1"/>
+            </a:lnRef>
+            <a:fillRef idx="0">
+              <a:schemeClr val="accent1"/>
+            </a:fillRef>
+            <a:effectRef idx="1">
+              <a:schemeClr val="accent1"/>
+            </a:effectRef>
+            <a:fontRef idx="minor">
+              <a:schemeClr val="tx1"/>
+            </a:fontRef>
+          </p:style>
+        </p:cxnSp>
+        <p:cxnSp>
+          <p:nvCxnSpPr>
+            <p:cNvPr id="23" name="Straight Connector 22"/>
+            <p:cNvCxnSpPr/>
+            <p:nvPr/>
+          </p:nvCxnSpPr>
+          <p:spPr>
+            <a:xfrm flipH="1">
+              <a:off x="1140635" y="1962543"/>
+              <a:ext cx="1712567" cy="0"/>
+            </a:xfrm>
+            <a:prstGeom prst="line">
+              <a:avLst/>
+            </a:prstGeom>
+            <a:ln w="9525" cmpd="sng">
+              <a:solidFill>
+                <a:srgbClr val="000000"/>
+              </a:solidFill>
+              <a:prstDash val="sysDash"/>
+              <a:headEnd type="stealth"/>
+              <a:tailEnd type="none"/>
+            </a:ln>
+            <a:effectLst/>
+          </p:spPr>
+          <p:style>
+            <a:lnRef idx="2">
+              <a:schemeClr val="accent1"/>
+            </a:lnRef>
+            <a:fillRef idx="0">
+              <a:schemeClr val="accent1"/>
+            </a:fillRef>
+            <a:effectRef idx="1">
+              <a:schemeClr val="accent1"/>
+            </a:effectRef>
+            <a:fontRef idx="minor">
+              <a:schemeClr val="tx1"/>
+            </a:fontRef>
+          </p:style>
+        </p:cxnSp>
+        <p:cxnSp>
+          <p:nvCxnSpPr>
+            <p:cNvPr id="24" name="Straight Connector 23"/>
+            <p:cNvCxnSpPr/>
+            <p:nvPr/>
+          </p:nvCxnSpPr>
+          <p:spPr>
+            <a:xfrm>
+              <a:off x="2853202" y="1656508"/>
+              <a:ext cx="0" cy="388192"/>
+            </a:xfrm>
+            <a:prstGeom prst="line">
+              <a:avLst/>
+            </a:prstGeom>
+            <a:ln w="9525" cmpd="sng">
+              <a:solidFill>
+                <a:schemeClr val="tx1"/>
+              </a:solidFill>
+              <a:prstDash val="dot"/>
+            </a:ln>
+            <a:effectLst/>
+          </p:spPr>
+          <p:style>
+            <a:lnRef idx="2">
+              <a:schemeClr val="accent1"/>
+            </a:lnRef>
+            <a:fillRef idx="0">
+              <a:schemeClr val="accent1"/>
+            </a:fillRef>
+            <a:effectRef idx="1">
+              <a:schemeClr val="accent1"/>
+            </a:effectRef>
+            <a:fontRef idx="minor">
+              <a:schemeClr val="tx1"/>
+            </a:fontRef>
+          </p:style>
+        </p:cxnSp>
+        <p:sp>
+          <p:nvSpPr>
+            <p:cNvPr id="25" name="TextBox 24"/>
+            <p:cNvSpPr txBox="1"/>
+            <p:nvPr/>
+          </p:nvSpPr>
+          <p:spPr>
+            <a:xfrm>
+              <a:off x="2149127" y="851633"/>
+              <a:ext cx="340508" cy="276999"/>
+            </a:xfrm>
+            <a:prstGeom prst="rect">
+              <a:avLst/>
+            </a:prstGeom>
+            <a:noFill/>
+          </p:spPr>
+          <p:txBody>
+            <a:bodyPr wrap="none" rtlCol="0">
+              <a:spAutoFit/>
+            </a:bodyPr>
+            <a:lstStyle/>
+            <a:p>
+              <a:r>
+                <a:rPr lang="en-US" sz="1200" dirty="0" err="1" smtClean="0"/>
+                <a:t>Tp</a:t>
+              </a:r>
+              <a:endParaRPr lang="en-US" sz="1200" dirty="0"/>
+            </a:p>
+          </p:txBody>
+        </p:sp>
+        <p:sp>
+          <p:nvSpPr>
+            <p:cNvPr id="26" name="TextBox 25"/>
+            <p:cNvSpPr txBox="1"/>
+            <p:nvPr/>
+          </p:nvSpPr>
+          <p:spPr>
+            <a:xfrm>
+              <a:off x="567597" y="1039854"/>
+              <a:ext cx="351378" cy="276999"/>
+            </a:xfrm>
+            <a:prstGeom prst="rect">
+              <a:avLst/>
+            </a:prstGeom>
+            <a:noFill/>
+          </p:spPr>
+          <p:txBody>
+            <a:bodyPr wrap="none" rtlCol="0">
+              <a:spAutoFit/>
+            </a:bodyPr>
+            <a:lstStyle/>
+            <a:p>
+              <a:r>
+                <a:rPr lang="en-US" sz="1200" dirty="0" smtClean="0"/>
+                <a:t>SA</a:t>
+              </a:r>
+              <a:endParaRPr lang="en-US" sz="1200" dirty="0"/>
+            </a:p>
+          </p:txBody>
+        </p:sp>
+        <p:sp>
+          <p:nvSpPr>
+            <p:cNvPr id="27" name="TextBox 26"/>
+            <p:cNvSpPr txBox="1"/>
+            <p:nvPr/>
+          </p:nvSpPr>
+          <p:spPr>
+            <a:xfrm>
+              <a:off x="560606" y="1708808"/>
+              <a:ext cx="325730" cy="276999"/>
+            </a:xfrm>
+            <a:prstGeom prst="rect">
+              <a:avLst/>
+            </a:prstGeom>
+            <a:noFill/>
+          </p:spPr>
+          <p:txBody>
+            <a:bodyPr wrap="none" rtlCol="0">
+              <a:spAutoFit/>
+            </a:bodyPr>
+            <a:lstStyle/>
+            <a:p>
+              <a:r>
+                <a:rPr lang="en-US" sz="1200" dirty="0" err="1" smtClean="0"/>
+                <a:t>Ss</a:t>
+              </a:r>
+              <a:endParaRPr lang="en-US" sz="1200" dirty="0"/>
+            </a:p>
+          </p:txBody>
+        </p:sp>
+        <p:sp>
+          <p:nvSpPr>
+            <p:cNvPr id="28" name="TextBox 27"/>
+            <p:cNvSpPr txBox="1"/>
+            <p:nvPr/>
+          </p:nvSpPr>
+          <p:spPr>
+            <a:xfrm>
+              <a:off x="1472973" y="941888"/>
+              <a:ext cx="415498" cy="276999"/>
+            </a:xfrm>
+            <a:prstGeom prst="rect">
+              <a:avLst/>
+            </a:prstGeom>
+            <a:noFill/>
+          </p:spPr>
+          <p:txBody>
+            <a:bodyPr wrap="none" rtlCol="0">
+              <a:spAutoFit/>
+            </a:bodyPr>
+            <a:lstStyle/>
+            <a:p>
+              <a:r>
+                <a:rPr lang="en-US" sz="1200" dirty="0" err="1" smtClean="0"/>
+                <a:t>TsA</a:t>
+              </a:r>
+              <a:endParaRPr lang="en-US" sz="1200" dirty="0"/>
+            </a:p>
+          </p:txBody>
+        </p:sp>
+        <p:sp>
+          <p:nvSpPr>
+            <p:cNvPr id="29" name="TextBox 28"/>
+            <p:cNvSpPr txBox="1"/>
+            <p:nvPr/>
+          </p:nvSpPr>
+          <p:spPr>
+            <a:xfrm>
+              <a:off x="2334455" y="1574541"/>
+              <a:ext cx="389850" cy="276999"/>
+            </a:xfrm>
+            <a:prstGeom prst="rect">
+              <a:avLst/>
+            </a:prstGeom>
+            <a:noFill/>
+          </p:spPr>
+          <p:txBody>
+            <a:bodyPr wrap="none" rtlCol="0">
+              <a:spAutoFit/>
+            </a:bodyPr>
+            <a:lstStyle/>
+            <a:p>
+              <a:r>
+                <a:rPr lang="en-US" sz="1200" dirty="0" err="1" smtClean="0"/>
+                <a:t>Tss</a:t>
+              </a:r>
+              <a:endParaRPr lang="en-US" sz="1200" dirty="0"/>
+            </a:p>
+          </p:txBody>
+        </p:sp>
+        <p:sp>
+          <p:nvSpPr>
+            <p:cNvPr id="30" name="TextBox 29"/>
+            <p:cNvSpPr txBox="1"/>
+            <p:nvPr/>
+          </p:nvSpPr>
+          <p:spPr>
+            <a:xfrm>
+              <a:off x="1705393" y="1886193"/>
+              <a:ext cx="421359" cy="276999"/>
+            </a:xfrm>
+            <a:prstGeom prst="rect">
+              <a:avLst/>
+            </a:prstGeom>
+            <a:noFill/>
+          </p:spPr>
+          <p:txBody>
+            <a:bodyPr wrap="none" rtlCol="0">
+              <a:spAutoFit/>
+            </a:bodyPr>
+            <a:lstStyle/>
+            <a:p>
+              <a:r>
+                <a:rPr lang="en-US" sz="1200" dirty="0" err="1" smtClean="0"/>
+                <a:t>Tdn</a:t>
+              </a:r>
+              <a:endParaRPr lang="en-US" sz="1200" dirty="0"/>
+            </a:p>
+          </p:txBody>
+        </p:sp>
+        <p:sp>
+          <p:nvSpPr>
+            <p:cNvPr id="31" name="Right Brace 30"/>
+            <p:cNvSpPr/>
+            <p:nvPr/>
+          </p:nvSpPr>
+          <p:spPr>
+            <a:xfrm rot="5400000">
+              <a:off x="2218035" y="1259366"/>
+              <a:ext cx="202409" cy="2357210"/>
+            </a:xfrm>
+            <a:prstGeom prst="rightBrace">
+              <a:avLst/>
+            </a:prstGeom>
+            <a:ln w="12700" cmpd="sng">
+              <a:solidFill>
+                <a:srgbClr val="000000"/>
+              </a:solidFill>
+            </a:ln>
+            <a:effectLst/>
+          </p:spPr>
+          <p:style>
+            <a:lnRef idx="2">
+              <a:schemeClr val="accent1"/>
+            </a:lnRef>
+            <a:fillRef idx="0">
+              <a:schemeClr val="accent1"/>
+            </a:fillRef>
+            <a:effectRef idx="1">
+              <a:schemeClr val="accent1"/>
+            </a:effectRef>
+            <a:fontRef idx="minor">
+              <a:schemeClr val="tx1"/>
+            </a:fontRef>
+          </p:style>
+          <p:txBody>
+            <a:bodyPr rtlCol="0" anchor="ctr"/>
+            <a:lstStyle/>
+            <a:p>
+              <a:pPr algn="ctr"/>
+              <a:endParaRPr lang="en-US"/>
+            </a:p>
+          </p:txBody>
+        </p:sp>
+        <p:sp>
+          <p:nvSpPr>
+            <p:cNvPr id="32" name="TextBox 31"/>
+            <p:cNvSpPr txBox="1"/>
+            <p:nvPr/>
+          </p:nvSpPr>
+          <p:spPr>
+            <a:xfrm>
+              <a:off x="1335637" y="2460117"/>
+              <a:ext cx="1963774" cy="276999"/>
+            </a:xfrm>
+            <a:prstGeom prst="rect">
+              <a:avLst/>
+            </a:prstGeom>
+            <a:noFill/>
+          </p:spPr>
+          <p:txBody>
+            <a:bodyPr wrap="none" rtlCol="0">
+              <a:spAutoFit/>
+            </a:bodyPr>
+            <a:lstStyle/>
+            <a:p>
+              <a:r>
+                <a:rPr lang="en-US" sz="1200" dirty="0" smtClean="0"/>
+                <a:t>Repeats m times for each Td</a:t>
+              </a:r>
+              <a:endParaRPr lang="en-US" sz="1200" dirty="0"/>
+            </a:p>
+          </p:txBody>
+        </p:sp>
+        <p:grpSp>
+          <p:nvGrpSpPr>
+            <p:cNvPr id="33" name="Group 32"/>
+            <p:cNvGrpSpPr/>
+            <p:nvPr/>
+          </p:nvGrpSpPr>
+          <p:grpSpPr>
+            <a:xfrm>
+              <a:off x="975533" y="530958"/>
+              <a:ext cx="160867" cy="247650"/>
+              <a:chOff x="1028700" y="1254125"/>
+              <a:chExt cx="160867" cy="247650"/>
+            </a:xfrm>
+          </p:grpSpPr>
+          <p:cxnSp>
+            <p:nvCxnSpPr>
+              <p:cNvPr id="34" name="Straight Connector 33"/>
+              <p:cNvCxnSpPr/>
+              <p:nvPr/>
+            </p:nvCxnSpPr>
+            <p:spPr>
+              <a:xfrm>
+                <a:off x="1028700" y="1254125"/>
+                <a:ext cx="0" cy="247650"/>
+              </a:xfrm>
+              <a:prstGeom prst="line">
+                <a:avLst/>
+              </a:prstGeom>
+              <a:ln w="9525" cmpd="sng">
+                <a:solidFill>
+                  <a:schemeClr val="tx1"/>
+                </a:solidFill>
+              </a:ln>
+              <a:effectLst/>
+            </p:spPr>
+            <p:style>
+              <a:lnRef idx="2">
+                <a:schemeClr val="accent1"/>
+              </a:lnRef>
+              <a:fillRef idx="0">
+                <a:schemeClr val="accent1"/>
+              </a:fillRef>
+              <a:effectRef idx="1">
+                <a:schemeClr val="accent1"/>
+              </a:effectRef>
+              <a:fontRef idx="minor">
+                <a:schemeClr val="tx1"/>
+              </a:fontRef>
+            </p:style>
+          </p:cxnSp>
+          <p:cxnSp>
+            <p:nvCxnSpPr>
+              <p:cNvPr id="35" name="Straight Connector 34"/>
+              <p:cNvCxnSpPr/>
+              <p:nvPr/>
+            </p:nvCxnSpPr>
+            <p:spPr>
+              <a:xfrm>
+                <a:off x="1189567" y="1254125"/>
+                <a:ext cx="0" cy="247650"/>
+              </a:xfrm>
+              <a:prstGeom prst="line">
+                <a:avLst/>
+              </a:prstGeom>
+              <a:ln w="9525" cmpd="sng">
+                <a:solidFill>
+                  <a:schemeClr val="tx1"/>
+                </a:solidFill>
+              </a:ln>
+              <a:effectLst/>
+            </p:spPr>
+            <p:style>
+              <a:lnRef idx="2">
+                <a:schemeClr val="accent1"/>
+              </a:lnRef>
+              <a:fillRef idx="0">
+                <a:schemeClr val="accent1"/>
+              </a:fillRef>
+              <a:effectRef idx="1">
+                <a:schemeClr val="accent1"/>
+              </a:effectRef>
+              <a:fontRef idx="minor">
+                <a:schemeClr val="tx1"/>
+              </a:fontRef>
+            </p:style>
+          </p:cxnSp>
+          <p:cxnSp>
+            <p:nvCxnSpPr>
+              <p:cNvPr id="36" name="Straight Connector 35"/>
+              <p:cNvCxnSpPr/>
+              <p:nvPr/>
+            </p:nvCxnSpPr>
+            <p:spPr>
+              <a:xfrm>
+                <a:off x="1028700" y="1254125"/>
+                <a:ext cx="160867" cy="0"/>
+              </a:xfrm>
+              <a:prstGeom prst="line">
+                <a:avLst/>
+              </a:prstGeom>
+              <a:ln w="9525" cmpd="sng">
+                <a:solidFill>
+                  <a:schemeClr val="tx1"/>
+                </a:solidFill>
+              </a:ln>
+              <a:effectLst/>
+            </p:spPr>
+            <p:style>
+              <a:lnRef idx="2">
+                <a:schemeClr val="accent1"/>
+              </a:lnRef>
+              <a:fillRef idx="0">
+                <a:schemeClr val="accent1"/>
+              </a:fillRef>
+              <a:effectRef idx="1">
+                <a:schemeClr val="accent1"/>
+              </a:effectRef>
+              <a:fontRef idx="minor">
+                <a:schemeClr val="tx1"/>
+              </a:fontRef>
+            </p:style>
+          </p:cxnSp>
+        </p:grpSp>
+        <p:cxnSp>
+          <p:nvCxnSpPr>
+            <p:cNvPr id="37" name="Straight Connector 36"/>
+            <p:cNvCxnSpPr/>
+            <p:nvPr/>
+          </p:nvCxnSpPr>
+          <p:spPr>
+            <a:xfrm>
+              <a:off x="1136400" y="778608"/>
+              <a:ext cx="2482601" cy="0"/>
+            </a:xfrm>
+            <a:prstGeom prst="line">
+              <a:avLst/>
+            </a:prstGeom>
+            <a:ln w="9525" cmpd="sng">
+              <a:solidFill>
+                <a:schemeClr val="tx1"/>
+              </a:solidFill>
+            </a:ln>
+            <a:effectLst/>
+          </p:spPr>
+          <p:style>
+            <a:lnRef idx="2">
+              <a:schemeClr val="accent1"/>
+            </a:lnRef>
+            <a:fillRef idx="0">
+              <a:schemeClr val="accent1"/>
+            </a:fillRef>
+            <a:effectRef idx="1">
+              <a:schemeClr val="accent1"/>
+            </a:effectRef>
+            <a:fontRef idx="minor">
+              <a:schemeClr val="tx1"/>
+            </a:fontRef>
+          </p:style>
+        </p:cxnSp>
+        <p:cxnSp>
+          <p:nvCxnSpPr>
+            <p:cNvPr id="38" name="Straight Connector 37"/>
+            <p:cNvCxnSpPr/>
+            <p:nvPr/>
+          </p:nvCxnSpPr>
+          <p:spPr>
+            <a:xfrm>
+              <a:off x="823600" y="778608"/>
+              <a:ext cx="151933" cy="0"/>
+            </a:xfrm>
+            <a:prstGeom prst="line">
+              <a:avLst/>
+            </a:prstGeom>
+            <a:ln w="9525" cmpd="sng">
+              <a:solidFill>
+                <a:schemeClr val="tx1"/>
+              </a:solidFill>
+            </a:ln>
+            <a:effectLst/>
+          </p:spPr>
+          <p:style>
+            <a:lnRef idx="2">
+              <a:schemeClr val="accent1"/>
+            </a:lnRef>
+            <a:fillRef idx="0">
+              <a:schemeClr val="accent1"/>
+            </a:fillRef>
+            <a:effectRef idx="1">
+              <a:schemeClr val="accent1"/>
+            </a:effectRef>
+            <a:fontRef idx="minor">
+              <a:schemeClr val="tx1"/>
+            </a:fontRef>
+          </p:style>
+        </p:cxnSp>
+        <p:cxnSp>
+          <p:nvCxnSpPr>
+            <p:cNvPr id="39" name="Straight Connector 38"/>
+            <p:cNvCxnSpPr/>
+            <p:nvPr/>
+          </p:nvCxnSpPr>
+          <p:spPr>
+            <a:xfrm>
+              <a:off x="817016" y="2303949"/>
+              <a:ext cx="317034" cy="0"/>
+            </a:xfrm>
+            <a:prstGeom prst="line">
+              <a:avLst/>
+            </a:prstGeom>
+            <a:ln w="9525" cmpd="sng">
+              <a:solidFill>
+                <a:schemeClr val="tx1"/>
+              </a:solidFill>
+            </a:ln>
+            <a:effectLst/>
+          </p:spPr>
+          <p:style>
+            <a:lnRef idx="2">
+              <a:schemeClr val="accent1"/>
+            </a:lnRef>
+            <a:fillRef idx="0">
+              <a:schemeClr val="accent1"/>
+            </a:fillRef>
+            <a:effectRef idx="1">
+              <a:schemeClr val="accent1"/>
+            </a:effectRef>
+            <a:fontRef idx="minor">
+              <a:schemeClr val="tx1"/>
+            </a:fontRef>
+          </p:style>
+        </p:cxnSp>
+        <p:grpSp>
+          <p:nvGrpSpPr>
+            <p:cNvPr id="40" name="Group 39"/>
+            <p:cNvGrpSpPr/>
+            <p:nvPr/>
+          </p:nvGrpSpPr>
+          <p:grpSpPr>
+            <a:xfrm>
+              <a:off x="1132167" y="2056299"/>
+              <a:ext cx="160867" cy="247650"/>
+              <a:chOff x="1028700" y="1254125"/>
+              <a:chExt cx="160867" cy="247650"/>
+            </a:xfrm>
+          </p:grpSpPr>
+          <p:cxnSp>
+            <p:nvCxnSpPr>
+              <p:cNvPr id="41" name="Straight Connector 40"/>
+              <p:cNvCxnSpPr/>
+              <p:nvPr/>
+            </p:nvCxnSpPr>
+            <p:spPr>
+              <a:xfrm>
+                <a:off x="1028700" y="1254125"/>
+                <a:ext cx="0" cy="247650"/>
+              </a:xfrm>
+              <a:prstGeom prst="line">
+                <a:avLst/>
+              </a:prstGeom>
+              <a:ln w="9525" cmpd="sng">
+                <a:solidFill>
+                  <a:schemeClr val="tx1"/>
+                </a:solidFill>
+              </a:ln>
+              <a:effectLst/>
+            </p:spPr>
+            <p:style>
+              <a:lnRef idx="2">
+                <a:schemeClr val="accent1"/>
+              </a:lnRef>
+              <a:fillRef idx="0">
+                <a:schemeClr val="accent1"/>
+              </a:fillRef>
+              <a:effectRef idx="1">
+                <a:schemeClr val="accent1"/>
+              </a:effectRef>
+              <a:fontRef idx="minor">
+                <a:schemeClr val="tx1"/>
+              </a:fontRef>
+            </p:style>
+          </p:cxnSp>
+          <p:cxnSp>
+            <p:nvCxnSpPr>
+              <p:cNvPr id="42" name="Straight Connector 41"/>
+              <p:cNvCxnSpPr/>
+              <p:nvPr/>
+            </p:nvCxnSpPr>
+            <p:spPr>
+              <a:xfrm>
+                <a:off x="1189567" y="1254125"/>
+                <a:ext cx="0" cy="247650"/>
+              </a:xfrm>
+              <a:prstGeom prst="line">
+                <a:avLst/>
+              </a:prstGeom>
+              <a:ln w="9525" cmpd="sng">
+                <a:solidFill>
+                  <a:schemeClr val="tx1"/>
+                </a:solidFill>
+              </a:ln>
+              <a:effectLst/>
+            </p:spPr>
+            <p:style>
+              <a:lnRef idx="2">
+                <a:schemeClr val="accent1"/>
+              </a:lnRef>
+              <a:fillRef idx="0">
+                <a:schemeClr val="accent1"/>
+              </a:fillRef>
+              <a:effectRef idx="1">
+                <a:schemeClr val="accent1"/>
+              </a:effectRef>
+              <a:fontRef idx="minor">
+                <a:schemeClr val="tx1"/>
+              </a:fontRef>
+            </p:style>
+          </p:cxnSp>
+          <p:cxnSp>
+            <p:nvCxnSpPr>
+              <p:cNvPr id="43" name="Straight Connector 42"/>
+              <p:cNvCxnSpPr/>
+              <p:nvPr/>
+            </p:nvCxnSpPr>
+            <p:spPr>
+              <a:xfrm>
+                <a:off x="1028700" y="1254125"/>
+                <a:ext cx="160867" cy="0"/>
+              </a:xfrm>
+              <a:prstGeom prst="line">
+                <a:avLst/>
+              </a:prstGeom>
+              <a:ln w="9525" cmpd="sng">
+                <a:solidFill>
+                  <a:schemeClr val="tx1"/>
+                </a:solidFill>
+              </a:ln>
+              <a:effectLst/>
+            </p:spPr>
+            <p:style>
+              <a:lnRef idx="2">
+                <a:schemeClr val="accent1"/>
+              </a:lnRef>
+              <a:fillRef idx="0">
+                <a:schemeClr val="accent1"/>
+              </a:fillRef>
+              <a:effectRef idx="1">
+                <a:schemeClr val="accent1"/>
+              </a:effectRef>
+              <a:fontRef idx="minor">
+                <a:schemeClr val="tx1"/>
+              </a:fontRef>
+            </p:style>
+          </p:cxnSp>
+        </p:grpSp>
+        <p:cxnSp>
+          <p:nvCxnSpPr>
+            <p:cNvPr id="44" name="Straight Connector 43"/>
+            <p:cNvCxnSpPr/>
+            <p:nvPr/>
+          </p:nvCxnSpPr>
+          <p:spPr>
+            <a:xfrm>
+              <a:off x="1293034" y="2303949"/>
+              <a:ext cx="2317500" cy="0"/>
+            </a:xfrm>
+            <a:prstGeom prst="line">
+              <a:avLst/>
+            </a:prstGeom>
+            <a:ln w="9525" cmpd="sng">
+              <a:solidFill>
+                <a:schemeClr val="tx1"/>
+              </a:solidFill>
+            </a:ln>
+            <a:effectLst/>
+          </p:spPr>
+          <p:style>
+            <a:lnRef idx="2">
+              <a:schemeClr val="accent1"/>
+            </a:lnRef>
+            <a:fillRef idx="0">
+              <a:schemeClr val="accent1"/>
+            </a:fillRef>
+            <a:effectRef idx="1">
+              <a:schemeClr val="accent1"/>
+            </a:effectRef>
+            <a:fontRef idx="minor">
+              <a:schemeClr val="tx1"/>
+            </a:fontRef>
+          </p:style>
+        </p:cxnSp>
+        <p:sp>
+          <p:nvSpPr>
+            <p:cNvPr id="45" name="TextBox 44"/>
+            <p:cNvSpPr txBox="1"/>
+            <p:nvPr/>
+          </p:nvSpPr>
+          <p:spPr>
+            <a:xfrm>
+              <a:off x="428848" y="577628"/>
+              <a:ext cx="470952" cy="276999"/>
+            </a:xfrm>
+            <a:prstGeom prst="rect">
+              <a:avLst/>
+            </a:prstGeom>
+            <a:noFill/>
+          </p:spPr>
+          <p:txBody>
+            <a:bodyPr wrap="none" rtlCol="0">
+              <a:spAutoFit/>
+            </a:bodyPr>
+            <a:lstStyle/>
+            <a:p>
+              <a:r>
+                <a:rPr lang="en-US" sz="1200" dirty="0" smtClean="0"/>
+                <a:t>Sync</a:t>
+              </a:r>
+              <a:endParaRPr lang="en-US" sz="1200" dirty="0"/>
+            </a:p>
+          </p:txBody>
+        </p:sp>
+        <p:sp>
+          <p:nvSpPr>
+            <p:cNvPr id="46" name="TextBox 45"/>
+            <p:cNvSpPr txBox="1"/>
+            <p:nvPr/>
+          </p:nvSpPr>
+          <p:spPr>
+            <a:xfrm>
+              <a:off x="616865" y="2102109"/>
+              <a:ext cx="274434" cy="276999"/>
+            </a:xfrm>
+            <a:prstGeom prst="rect">
+              <a:avLst/>
+            </a:prstGeom>
+            <a:noFill/>
+          </p:spPr>
+          <p:txBody>
+            <a:bodyPr wrap="none" rtlCol="0">
+              <a:spAutoFit/>
+            </a:bodyPr>
+            <a:lstStyle/>
+            <a:p>
+              <a:r>
+                <a:rPr lang="en-US" sz="1200" dirty="0" smtClean="0"/>
+                <a:t>A</a:t>
+              </a:r>
+              <a:endParaRPr lang="en-US" sz="1200" dirty="0"/>
+            </a:p>
+          </p:txBody>
+        </p:sp>
+        <p:cxnSp>
+          <p:nvCxnSpPr>
+            <p:cNvPr id="47" name="Straight Connector 46"/>
+            <p:cNvCxnSpPr/>
+            <p:nvPr/>
+          </p:nvCxnSpPr>
+          <p:spPr>
+            <a:xfrm flipH="1">
+              <a:off x="755008" y="577628"/>
+              <a:ext cx="220525" cy="0"/>
+            </a:xfrm>
+            <a:prstGeom prst="line">
+              <a:avLst/>
+            </a:prstGeom>
+            <a:ln w="9525" cmpd="sng">
+              <a:solidFill>
+                <a:srgbClr val="000000"/>
+              </a:solidFill>
+              <a:prstDash val="sysDash"/>
+              <a:headEnd type="stealth"/>
+              <a:tailEnd type="none"/>
+            </a:ln>
+            <a:effectLst/>
+          </p:spPr>
+          <p:style>
+            <a:lnRef idx="2">
+              <a:schemeClr val="accent1"/>
+            </a:lnRef>
+            <a:fillRef idx="0">
+              <a:schemeClr val="accent1"/>
+            </a:fillRef>
+            <a:effectRef idx="1">
+              <a:schemeClr val="accent1"/>
+            </a:effectRef>
+            <a:fontRef idx="minor">
+              <a:schemeClr val="tx1"/>
+            </a:fontRef>
+          </p:style>
+        </p:cxnSp>
+        <p:cxnSp>
+          <p:nvCxnSpPr>
+            <p:cNvPr id="48" name="Straight Connector 47"/>
+            <p:cNvCxnSpPr/>
+            <p:nvPr/>
+          </p:nvCxnSpPr>
+          <p:spPr>
+            <a:xfrm>
+              <a:off x="1140635" y="577628"/>
+              <a:ext cx="241322" cy="0"/>
+            </a:xfrm>
+            <a:prstGeom prst="line">
+              <a:avLst/>
+            </a:prstGeom>
+            <a:ln w="9525" cmpd="sng">
+              <a:solidFill>
+                <a:srgbClr val="000000"/>
+              </a:solidFill>
+              <a:prstDash val="sysDash"/>
+              <a:headEnd type="stealth"/>
+              <a:tailEnd type="none"/>
+            </a:ln>
+            <a:effectLst/>
+          </p:spPr>
+          <p:style>
+            <a:lnRef idx="2">
+              <a:schemeClr val="accent1"/>
+            </a:lnRef>
+            <a:fillRef idx="0">
+              <a:schemeClr val="accent1"/>
+            </a:fillRef>
+            <a:effectRef idx="1">
+              <a:schemeClr val="accent1"/>
+            </a:effectRef>
+            <a:fontRef idx="minor">
+              <a:schemeClr val="tx1"/>
+            </a:fontRef>
+          </p:style>
+        </p:cxnSp>
+        <p:sp>
+          <p:nvSpPr>
+            <p:cNvPr id="49" name="TextBox 48"/>
+            <p:cNvSpPr txBox="1"/>
+            <p:nvPr/>
+          </p:nvSpPr>
+          <p:spPr>
+            <a:xfrm>
+              <a:off x="1316086" y="379758"/>
+              <a:ext cx="492217" cy="276999"/>
+            </a:xfrm>
+            <a:prstGeom prst="rect">
+              <a:avLst/>
+            </a:prstGeom>
+            <a:noFill/>
+          </p:spPr>
+          <p:txBody>
+            <a:bodyPr wrap="none" rtlCol="0">
+              <a:spAutoFit/>
+            </a:bodyPr>
+            <a:lstStyle/>
+            <a:p>
+              <a:r>
+                <a:rPr lang="en-US" sz="1200" dirty="0" smtClean="0"/>
+                <a:t>50uS</a:t>
+              </a:r>
+              <a:endParaRPr lang="en-US" sz="1200" dirty="0"/>
+            </a:p>
+          </p:txBody>
+        </p:sp>
+        <p:sp>
+          <p:nvSpPr>
+            <p:cNvPr id="50" name="TextBox 49"/>
+            <p:cNvSpPr txBox="1"/>
+            <p:nvPr/>
+          </p:nvSpPr>
+          <p:spPr>
+            <a:xfrm>
+              <a:off x="1756193" y="577628"/>
+              <a:ext cx="1915909" cy="246221"/>
+            </a:xfrm>
+            <a:prstGeom prst="rect">
+              <a:avLst/>
+            </a:prstGeom>
+            <a:noFill/>
+          </p:spPr>
+          <p:txBody>
+            <a:bodyPr wrap="none" rtlCol="0">
+              <a:spAutoFit/>
+            </a:bodyPr>
+            <a:lstStyle/>
+            <a:p>
+              <a:r>
+                <a:rPr lang="en-US" sz="1000" dirty="0" smtClean="0"/>
+                <a:t>Occurs once, at start of sequence </a:t>
+              </a:r>
+              <a:endParaRPr lang="en-US" sz="1000" dirty="0"/>
+            </a:p>
+          </p:txBody>
+        </p:sp>
+        <p:sp>
+          <p:nvSpPr>
+            <p:cNvPr id="51" name="TextBox 50"/>
+            <p:cNvSpPr txBox="1"/>
+            <p:nvPr/>
+          </p:nvSpPr>
+          <p:spPr>
+            <a:xfrm>
+              <a:off x="2840847" y="1030921"/>
+              <a:ext cx="684803" cy="246221"/>
+            </a:xfrm>
+            <a:prstGeom prst="rect">
+              <a:avLst/>
+            </a:prstGeom>
+            <a:noFill/>
+          </p:spPr>
+          <p:txBody>
+            <a:bodyPr wrap="none" rtlCol="0">
+              <a:spAutoFit/>
+            </a:bodyPr>
+            <a:lstStyle/>
+            <a:p>
+              <a:r>
+                <a:rPr lang="en-US" sz="1000" dirty="0" smtClean="0"/>
+                <a:t>Shutter </a:t>
+              </a:r>
+              <a:r>
+                <a:rPr lang="en-US" sz="1000" dirty="0" smtClean="0"/>
+                <a:t>A</a:t>
+              </a:r>
+              <a:endParaRPr lang="en-US" sz="1000" dirty="0"/>
+            </a:p>
+          </p:txBody>
+        </p:sp>
+        <p:sp>
+          <p:nvSpPr>
+            <p:cNvPr id="52" name="TextBox 51"/>
+            <p:cNvSpPr txBox="1"/>
+            <p:nvPr/>
+          </p:nvSpPr>
+          <p:spPr>
+            <a:xfrm>
+              <a:off x="1301501" y="1701722"/>
+              <a:ext cx="1043876" cy="246221"/>
+            </a:xfrm>
+            <a:prstGeom prst="rect">
+              <a:avLst/>
+            </a:prstGeom>
+            <a:noFill/>
+          </p:spPr>
+          <p:txBody>
+            <a:bodyPr wrap="none" rtlCol="0">
+              <a:spAutoFit/>
+            </a:bodyPr>
+            <a:lstStyle/>
+            <a:p>
+              <a:r>
+                <a:rPr lang="en-US" sz="1000" dirty="0" smtClean="0"/>
+                <a:t>Scanned Shutter</a:t>
+              </a:r>
+              <a:endParaRPr lang="en-US" sz="1000" dirty="0"/>
+            </a:p>
+          </p:txBody>
+        </p:sp>
+        <p:grpSp>
+          <p:nvGrpSpPr>
+            <p:cNvPr id="54" name="Group 53"/>
+            <p:cNvGrpSpPr/>
+            <p:nvPr/>
+          </p:nvGrpSpPr>
+          <p:grpSpPr>
+            <a:xfrm>
+              <a:off x="2451067" y="1283744"/>
+              <a:ext cx="160867" cy="247650"/>
+              <a:chOff x="1028700" y="1254125"/>
+              <a:chExt cx="160867" cy="247650"/>
+            </a:xfrm>
+          </p:grpSpPr>
+          <p:cxnSp>
+            <p:nvCxnSpPr>
+              <p:cNvPr id="55" name="Straight Connector 54"/>
+              <p:cNvCxnSpPr/>
+              <p:nvPr/>
+            </p:nvCxnSpPr>
+            <p:spPr>
+              <a:xfrm>
+                <a:off x="1028700" y="1254125"/>
+                <a:ext cx="0" cy="247650"/>
+              </a:xfrm>
+              <a:prstGeom prst="line">
+                <a:avLst/>
+              </a:prstGeom>
+              <a:ln w="9525" cmpd="sng">
+                <a:solidFill>
+                  <a:schemeClr val="tx1"/>
+                </a:solidFill>
+              </a:ln>
+              <a:effectLst/>
+            </p:spPr>
+            <p:style>
+              <a:lnRef idx="2">
+                <a:schemeClr val="accent1"/>
+              </a:lnRef>
+              <a:fillRef idx="0">
+                <a:schemeClr val="accent1"/>
+              </a:fillRef>
+              <a:effectRef idx="1">
+                <a:schemeClr val="accent1"/>
+              </a:effectRef>
+              <a:fontRef idx="minor">
+                <a:schemeClr val="tx1"/>
+              </a:fontRef>
+            </p:style>
+          </p:cxnSp>
+          <p:cxnSp>
+            <p:nvCxnSpPr>
+              <p:cNvPr id="56" name="Straight Connector 55"/>
+              <p:cNvCxnSpPr/>
+              <p:nvPr/>
+            </p:nvCxnSpPr>
+            <p:spPr>
+              <a:xfrm>
+                <a:off x="1189567" y="1254125"/>
+                <a:ext cx="0" cy="247650"/>
+              </a:xfrm>
+              <a:prstGeom prst="line">
+                <a:avLst/>
+              </a:prstGeom>
+              <a:ln w="9525" cmpd="sng">
+                <a:solidFill>
+                  <a:schemeClr val="tx1"/>
+                </a:solidFill>
+              </a:ln>
+              <a:effectLst/>
+            </p:spPr>
+            <p:style>
+              <a:lnRef idx="2">
+                <a:schemeClr val="accent1"/>
+              </a:lnRef>
+              <a:fillRef idx="0">
+                <a:schemeClr val="accent1"/>
+              </a:fillRef>
+              <a:effectRef idx="1">
+                <a:schemeClr val="accent1"/>
+              </a:effectRef>
+              <a:fontRef idx="minor">
+                <a:schemeClr val="tx1"/>
+              </a:fontRef>
+            </p:style>
+          </p:cxnSp>
+          <p:cxnSp>
+            <p:nvCxnSpPr>
+              <p:cNvPr id="57" name="Straight Connector 56"/>
+              <p:cNvCxnSpPr/>
+              <p:nvPr/>
+            </p:nvCxnSpPr>
+            <p:spPr>
+              <a:xfrm>
+                <a:off x="1028700" y="1254125"/>
+                <a:ext cx="160867" cy="0"/>
+              </a:xfrm>
+              <a:prstGeom prst="line">
+                <a:avLst/>
+              </a:prstGeom>
+              <a:ln w="9525" cmpd="sng">
+                <a:solidFill>
+                  <a:schemeClr val="tx1"/>
+                </a:solidFill>
+              </a:ln>
+              <a:effectLst/>
+            </p:spPr>
+            <p:style>
+              <a:lnRef idx="2">
+                <a:schemeClr val="accent1"/>
+              </a:lnRef>
+              <a:fillRef idx="0">
+                <a:schemeClr val="accent1"/>
+              </a:fillRef>
+              <a:effectRef idx="1">
+                <a:schemeClr val="accent1"/>
+              </a:effectRef>
+              <a:fontRef idx="minor">
+                <a:schemeClr val="tx1"/>
+              </a:fontRef>
+            </p:style>
+          </p:cxnSp>
+        </p:grpSp>
+        <p:cxnSp>
+          <p:nvCxnSpPr>
+            <p:cNvPr id="58" name="Straight Connector 57"/>
+            <p:cNvCxnSpPr/>
+            <p:nvPr/>
+          </p:nvCxnSpPr>
+          <p:spPr>
+            <a:xfrm flipV="1">
+              <a:off x="823639" y="1531394"/>
+              <a:ext cx="1627428" cy="16914"/>
+            </a:xfrm>
+            <a:prstGeom prst="line">
+              <a:avLst/>
+            </a:prstGeom>
+            <a:ln w="9525" cmpd="sng">
+              <a:solidFill>
+                <a:schemeClr val="tx1"/>
+              </a:solidFill>
+            </a:ln>
+            <a:effectLst/>
+          </p:spPr>
+          <p:style>
+            <a:lnRef idx="2">
+              <a:schemeClr val="accent1"/>
+            </a:lnRef>
+            <a:fillRef idx="0">
+              <a:schemeClr val="accent1"/>
+            </a:fillRef>
+            <a:effectRef idx="1">
+              <a:schemeClr val="accent1"/>
+            </a:effectRef>
+            <a:fontRef idx="minor">
+              <a:schemeClr val="tx1"/>
+            </a:fontRef>
+          </p:style>
+        </p:cxnSp>
+        <p:cxnSp>
+          <p:nvCxnSpPr>
+            <p:cNvPr id="59" name="Straight Connector 58"/>
+            <p:cNvCxnSpPr/>
+            <p:nvPr/>
+          </p:nvCxnSpPr>
+          <p:spPr>
+            <a:xfrm>
+              <a:off x="2611934" y="1531394"/>
+              <a:ext cx="1007067" cy="0"/>
+            </a:xfrm>
+            <a:prstGeom prst="line">
+              <a:avLst/>
+            </a:prstGeom>
+            <a:ln w="9525" cmpd="sng">
+              <a:solidFill>
+                <a:schemeClr val="tx1"/>
+              </a:solidFill>
+            </a:ln>
+            <a:effectLst/>
+          </p:spPr>
+          <p:style>
+            <a:lnRef idx="2">
+              <a:schemeClr val="accent1"/>
+            </a:lnRef>
+            <a:fillRef idx="0">
+              <a:schemeClr val="accent1"/>
+            </a:fillRef>
+            <a:effectRef idx="1">
+              <a:schemeClr val="accent1"/>
+            </a:effectRef>
+            <a:fontRef idx="minor">
+              <a:schemeClr val="tx1"/>
+            </a:fontRef>
+          </p:style>
+        </p:cxnSp>
+        <p:cxnSp>
+          <p:nvCxnSpPr>
+            <p:cNvPr id="60" name="Straight Connector 59"/>
+            <p:cNvCxnSpPr/>
+            <p:nvPr/>
+          </p:nvCxnSpPr>
+          <p:spPr>
+            <a:xfrm>
+              <a:off x="2611934" y="1388108"/>
+              <a:ext cx="241322" cy="0"/>
+            </a:xfrm>
+            <a:prstGeom prst="line">
+              <a:avLst/>
+            </a:prstGeom>
+            <a:ln w="9525" cmpd="sng">
+              <a:solidFill>
+                <a:srgbClr val="000000"/>
+              </a:solidFill>
+              <a:prstDash val="sysDash"/>
+              <a:headEnd type="stealth"/>
+              <a:tailEnd type="none"/>
+            </a:ln>
+            <a:effectLst/>
+          </p:spPr>
+          <p:style>
+            <a:lnRef idx="2">
+              <a:schemeClr val="accent1"/>
+            </a:lnRef>
+            <a:fillRef idx="0">
+              <a:schemeClr val="accent1"/>
+            </a:fillRef>
+            <a:effectRef idx="1">
+              <a:schemeClr val="accent1"/>
+            </a:effectRef>
+            <a:fontRef idx="minor">
+              <a:schemeClr val="tx1"/>
+            </a:fontRef>
+          </p:style>
+        </p:cxnSp>
+        <p:cxnSp>
+          <p:nvCxnSpPr>
+            <p:cNvPr id="61" name="Straight Connector 60"/>
+            <p:cNvCxnSpPr/>
+            <p:nvPr/>
+          </p:nvCxnSpPr>
+          <p:spPr>
+            <a:xfrm flipH="1">
+              <a:off x="2230542" y="1390399"/>
+              <a:ext cx="220525" cy="0"/>
+            </a:xfrm>
+            <a:prstGeom prst="line">
+              <a:avLst/>
+            </a:prstGeom>
+            <a:ln w="9525" cmpd="sng">
+              <a:solidFill>
+                <a:srgbClr val="000000"/>
+              </a:solidFill>
+              <a:prstDash val="sysDash"/>
+              <a:headEnd type="stealth"/>
+              <a:tailEnd type="none"/>
+            </a:ln>
+            <a:effectLst/>
+          </p:spPr>
+          <p:style>
+            <a:lnRef idx="2">
+              <a:schemeClr val="accent1"/>
+            </a:lnRef>
+            <a:fillRef idx="0">
+              <a:schemeClr val="accent1"/>
+            </a:fillRef>
+            <a:effectRef idx="1">
+              <a:schemeClr val="accent1"/>
+            </a:effectRef>
+            <a:fontRef idx="minor">
+              <a:schemeClr val="tx1"/>
+            </a:fontRef>
+          </p:style>
+        </p:cxnSp>
+        <p:cxnSp>
+          <p:nvCxnSpPr>
+            <p:cNvPr id="62" name="Straight Connector 61"/>
+            <p:cNvCxnSpPr/>
+            <p:nvPr/>
+          </p:nvCxnSpPr>
+          <p:spPr>
+            <a:xfrm flipH="1">
+              <a:off x="1140675" y="1607726"/>
+              <a:ext cx="1310392" cy="0"/>
+            </a:xfrm>
+            <a:prstGeom prst="line">
+              <a:avLst/>
+            </a:prstGeom>
+            <a:ln w="9525" cmpd="sng">
+              <a:solidFill>
+                <a:srgbClr val="000000"/>
+              </a:solidFill>
+              <a:prstDash val="sysDash"/>
+              <a:headEnd type="stealth"/>
+              <a:tailEnd type="none"/>
+            </a:ln>
+            <a:effectLst/>
+          </p:spPr>
+          <p:style>
+            <a:lnRef idx="2">
+              <a:schemeClr val="accent1"/>
+            </a:lnRef>
+            <a:fillRef idx="0">
+              <a:schemeClr val="accent1"/>
+            </a:fillRef>
+            <a:effectRef idx="1">
+              <a:schemeClr val="accent1"/>
+            </a:effectRef>
+            <a:fontRef idx="minor">
+              <a:schemeClr val="tx1"/>
+            </a:fontRef>
+          </p:style>
+        </p:cxnSp>
+        <p:sp>
+          <p:nvSpPr>
+            <p:cNvPr id="63" name="TextBox 62"/>
+            <p:cNvSpPr txBox="1"/>
+            <p:nvPr/>
+          </p:nvSpPr>
+          <p:spPr>
+            <a:xfrm>
+              <a:off x="560645" y="1353991"/>
+              <a:ext cx="312906" cy="276999"/>
+            </a:xfrm>
+            <a:prstGeom prst="rect">
+              <a:avLst/>
+            </a:prstGeom>
+            <a:noFill/>
+          </p:spPr>
+          <p:txBody>
+            <a:bodyPr wrap="none" rtlCol="0">
+              <a:spAutoFit/>
+            </a:bodyPr>
+            <a:lstStyle/>
+            <a:p>
+              <a:r>
+                <a:rPr lang="en-US" sz="1200" dirty="0" err="1" smtClean="0"/>
+                <a:t>Sf</a:t>
+              </a:r>
+              <a:endParaRPr lang="en-US" sz="1200" dirty="0"/>
+            </a:p>
+          </p:txBody>
+        </p:sp>
+        <p:sp>
+          <p:nvSpPr>
+            <p:cNvPr id="64" name="TextBox 63"/>
+            <p:cNvSpPr txBox="1"/>
+            <p:nvPr/>
+          </p:nvSpPr>
+          <p:spPr>
+            <a:xfrm>
+              <a:off x="1071223" y="1338439"/>
+              <a:ext cx="926994" cy="246221"/>
+            </a:xfrm>
+            <a:prstGeom prst="rect">
+              <a:avLst/>
+            </a:prstGeom>
+            <a:noFill/>
+          </p:spPr>
+          <p:txBody>
+            <a:bodyPr wrap="none" rtlCol="0">
+              <a:spAutoFit/>
+            </a:bodyPr>
+            <a:lstStyle/>
+            <a:p>
+              <a:r>
+                <a:rPr lang="en-US" sz="1000" dirty="0" smtClean="0"/>
+                <a:t>Fixed Shutters</a:t>
+              </a:r>
+              <a:endParaRPr lang="en-US" sz="1000" dirty="0"/>
+            </a:p>
+          </p:txBody>
+        </p:sp>
+        <p:sp>
+          <p:nvSpPr>
+            <p:cNvPr id="65" name="TextBox 64"/>
+            <p:cNvSpPr txBox="1"/>
+            <p:nvPr/>
+          </p:nvSpPr>
+          <p:spPr>
+            <a:xfrm>
+              <a:off x="1940591" y="1229361"/>
+              <a:ext cx="377026" cy="276999"/>
+            </a:xfrm>
+            <a:prstGeom prst="rect">
+              <a:avLst/>
+            </a:prstGeom>
+            <a:noFill/>
+          </p:spPr>
+          <p:txBody>
+            <a:bodyPr wrap="none" rtlCol="0">
+              <a:spAutoFit/>
+            </a:bodyPr>
+            <a:lstStyle/>
+            <a:p>
+              <a:r>
+                <a:rPr lang="en-US" sz="1200" dirty="0" err="1" smtClean="0"/>
+                <a:t>Tsf</a:t>
+              </a:r>
+              <a:endParaRPr lang="en-US" sz="1200" dirty="0"/>
+            </a:p>
+          </p:txBody>
+        </p:sp>
+        <p:cxnSp>
+          <p:nvCxnSpPr>
+            <p:cNvPr id="69" name="Straight Connector 68"/>
+            <p:cNvCxnSpPr/>
+            <p:nvPr/>
+          </p:nvCxnSpPr>
+          <p:spPr>
+            <a:xfrm>
+              <a:off x="2451067" y="1304873"/>
+              <a:ext cx="0" cy="388192"/>
+            </a:xfrm>
+            <a:prstGeom prst="line">
+              <a:avLst/>
+            </a:prstGeom>
+            <a:ln w="9525" cmpd="sng">
+              <a:solidFill>
+                <a:schemeClr val="tx1"/>
+              </a:solidFill>
+              <a:prstDash val="dot"/>
+            </a:ln>
+            <a:effectLst/>
+          </p:spPr>
+          <p:style>
+            <a:lnRef idx="2">
+              <a:schemeClr val="accent1"/>
+            </a:lnRef>
+            <a:fillRef idx="0">
+              <a:schemeClr val="accent1"/>
+            </a:fillRef>
+            <a:effectRef idx="1">
+              <a:schemeClr val="accent1"/>
+            </a:effectRef>
+            <a:fontRef idx="minor">
+              <a:schemeClr val="tx1"/>
+            </a:fontRef>
+          </p:style>
+        </p:cxnSp>
+        <p:sp>
+          <p:nvSpPr>
+            <p:cNvPr id="70" name="TextBox 69"/>
+            <p:cNvSpPr txBox="1"/>
+            <p:nvPr/>
+          </p:nvSpPr>
+          <p:spPr>
+            <a:xfrm>
+              <a:off x="1567799" y="1519845"/>
+              <a:ext cx="389850" cy="276999"/>
+            </a:xfrm>
+            <a:prstGeom prst="rect">
+              <a:avLst/>
+            </a:prstGeom>
+            <a:noFill/>
+          </p:spPr>
+          <p:txBody>
+            <a:bodyPr wrap="none" rtlCol="0">
+              <a:spAutoFit/>
+            </a:bodyPr>
+            <a:lstStyle/>
+            <a:p>
+              <a:r>
+                <a:rPr lang="en-US" sz="1200" dirty="0" err="1" smtClean="0"/>
+                <a:t>Tdf</a:t>
+              </a:r>
+              <a:endParaRPr lang="en-US" sz="1200" dirty="0"/>
+            </a:p>
+          </p:txBody>
+        </p:sp>
+      </p:grpSp>
+    </p:spTree>
+    <p:extLst>
+      <p:ext uri="{BB962C8B-B14F-4D97-AF65-F5344CB8AC3E}">
+        <p14:creationId xmlns:p14="http://schemas.microsoft.com/office/powerpoint/2010/main" val="4133338558"/>
       </p:ext>
     </p:extLst>
   </p:cSld>
